--- a/DataScience_FinalProject.pptx
+++ b/DataScience_FinalProject.pptx
@@ -145,14 +145,33 @@
 </p:presentation>
 </file>
 
-<file path=ppt/revisionInfo.xml><?xml version="1.0" encoding="utf-8"?>
-<p1510:revInfo xmlns:a="http://schemas.openxmlformats.org/drawingml/2006/main" xmlns:r="http://schemas.openxmlformats.org/officeDocument/2006/relationships" xmlns:p1510="http://schemas.microsoft.com/office/powerpoint/2015/10/main">
-  <p1510:revLst>
-    <p1510:client id="{1A02C2C8-FD10-452B-9265-77B87AA5F25F}" v="3991" dt="2023-12-04T19:19:25.008"/>
-    <p1510:client id="{1A9E6562-0F09-8C46-91A4-65A5F589CEC2}" v="2174" dt="2023-12-04T21:11:23.113"/>
-    <p1510:client id="{5C1316FC-C7B8-D216-4175-8195B7D0F19C}" v="2" dt="2023-12-05T05:21:35.391"/>
-  </p1510:revLst>
-</p1510:revInfo>
+<file path=ppt/changesInfos/changesInfo1.xml><?xml version="1.0" encoding="utf-8"?>
+<pc:chgInfo xmlns:a="http://schemas.openxmlformats.org/drawingml/2006/main" xmlns:r="http://schemas.openxmlformats.org/officeDocument/2006/relationships" xmlns:ac="http://schemas.microsoft.com/office/drawing/2013/main/command" xmlns:pc="http://schemas.microsoft.com/office/powerpoint/2013/main/command">
+  <pc:docChgLst>
+    <pc:chgData name="Saniya Athani" userId="f6bd5751-7a9e-41c2-83a6-db0b3e2b769a" providerId="ADAL" clId="{8CF115D0-167B-4C9B-AFD2-BCDD2697D0C7}"/>
+    <pc:docChg chg="modSld">
+      <pc:chgData name="Saniya Athani" userId="f6bd5751-7a9e-41c2-83a6-db0b3e2b769a" providerId="ADAL" clId="{8CF115D0-167B-4C9B-AFD2-BCDD2697D0C7}" dt="2025-03-31T23:13:08.031" v="0" actId="20577"/>
+      <pc:docMkLst>
+        <pc:docMk/>
+      </pc:docMkLst>
+      <pc:sldChg chg="modSp mod">
+        <pc:chgData name="Saniya Athani" userId="f6bd5751-7a9e-41c2-83a6-db0b3e2b769a" providerId="ADAL" clId="{8CF115D0-167B-4C9B-AFD2-BCDD2697D0C7}" dt="2025-03-31T23:13:08.031" v="0" actId="20577"/>
+        <pc:sldMkLst>
+          <pc:docMk/>
+          <pc:sldMk cId="109857222" sldId="256"/>
+        </pc:sldMkLst>
+        <pc:spChg chg="mod">
+          <ac:chgData name="Saniya Athani" userId="f6bd5751-7a9e-41c2-83a6-db0b3e2b769a" providerId="ADAL" clId="{8CF115D0-167B-4C9B-AFD2-BCDD2697D0C7}" dt="2025-03-31T23:13:08.031" v="0" actId="20577"/>
+          <ac:spMkLst>
+            <pc:docMk/>
+            <pc:sldMk cId="109857222" sldId="256"/>
+            <ac:spMk id="3" creationId="{00000000-0000-0000-0000-000000000000}"/>
+          </ac:spMkLst>
+        </pc:spChg>
+      </pc:sldChg>
+    </pc:docChg>
+  </pc:docChgLst>
+</pc:chgInfo>
 </file>
 
 <file path=ppt/diagrams/colors1.xml><?xml version="1.0" encoding="utf-8"?>
@@ -17245,7 +17264,7 @@
           <a:p>
             <a:fld id="{07163F7F-BFBA-4D7C-B314-22212A4E0B72}" type="datetimeFigureOut">
               <a:rPr lang="en-US" smtClean="0"/>
-              <a:t>2/27/2024</a:t>
+              <a:t>3/31/2025</a:t>
             </a:fld>
             <a:endParaRPr lang="en-US"/>
           </a:p>
@@ -19517,7 +19536,7 @@
           <a:p>
             <a:fld id="{846CE7D5-CF57-46EF-B807-FDD0502418D4}" type="datetimeFigureOut">
               <a:rPr lang="en-US" smtClean="0"/>
-              <a:t>2/27/2024</a:t>
+              <a:t>3/31/2025</a:t>
             </a:fld>
             <a:endParaRPr lang="en-US"/>
           </a:p>
@@ -19685,7 +19704,7 @@
           <a:p>
             <a:fld id="{846CE7D5-CF57-46EF-B807-FDD0502418D4}" type="datetimeFigureOut">
               <a:rPr lang="en-US" smtClean="0"/>
-              <a:t>2/27/2024</a:t>
+              <a:t>3/31/2025</a:t>
             </a:fld>
             <a:endParaRPr lang="en-US"/>
           </a:p>
@@ -19863,7 +19882,7 @@
           <a:p>
             <a:fld id="{846CE7D5-CF57-46EF-B807-FDD0502418D4}" type="datetimeFigureOut">
               <a:rPr lang="en-US" smtClean="0"/>
-              <a:t>2/27/2024</a:t>
+              <a:t>3/31/2025</a:t>
             </a:fld>
             <a:endParaRPr lang="en-US"/>
           </a:p>
@@ -20031,7 +20050,7 @@
           <a:p>
             <a:fld id="{846CE7D5-CF57-46EF-B807-FDD0502418D4}" type="datetimeFigureOut">
               <a:rPr lang="en-US" smtClean="0"/>
-              <a:t>2/27/2024</a:t>
+              <a:t>3/31/2025</a:t>
             </a:fld>
             <a:endParaRPr lang="en-US"/>
           </a:p>
@@ -20276,7 +20295,7 @@
           <a:p>
             <a:fld id="{846CE7D5-CF57-46EF-B807-FDD0502418D4}" type="datetimeFigureOut">
               <a:rPr lang="en-US" smtClean="0"/>
-              <a:t>2/27/2024</a:t>
+              <a:t>3/31/2025</a:t>
             </a:fld>
             <a:endParaRPr lang="en-US"/>
           </a:p>
@@ -20505,7 +20524,7 @@
           <a:p>
             <a:fld id="{846CE7D5-CF57-46EF-B807-FDD0502418D4}" type="datetimeFigureOut">
               <a:rPr lang="en-US" smtClean="0"/>
-              <a:t>2/27/2024</a:t>
+              <a:t>3/31/2025</a:t>
             </a:fld>
             <a:endParaRPr lang="en-US"/>
           </a:p>
@@ -20869,7 +20888,7 @@
           <a:p>
             <a:fld id="{846CE7D5-CF57-46EF-B807-FDD0502418D4}" type="datetimeFigureOut">
               <a:rPr lang="en-US" smtClean="0"/>
-              <a:t>2/27/2024</a:t>
+              <a:t>3/31/2025</a:t>
             </a:fld>
             <a:endParaRPr lang="en-US"/>
           </a:p>
@@ -20986,7 +21005,7 @@
           <a:p>
             <a:fld id="{846CE7D5-CF57-46EF-B807-FDD0502418D4}" type="datetimeFigureOut">
               <a:rPr lang="en-US" smtClean="0"/>
-              <a:t>2/27/2024</a:t>
+              <a:t>3/31/2025</a:t>
             </a:fld>
             <a:endParaRPr lang="en-US"/>
           </a:p>
@@ -21081,7 +21100,7 @@
           <a:p>
             <a:fld id="{846CE7D5-CF57-46EF-B807-FDD0502418D4}" type="datetimeFigureOut">
               <a:rPr lang="en-US" smtClean="0"/>
-              <a:t>2/27/2024</a:t>
+              <a:t>3/31/2025</a:t>
             </a:fld>
             <a:endParaRPr lang="en-US"/>
           </a:p>
@@ -21356,7 +21375,7 @@
           <a:p>
             <a:fld id="{846CE7D5-CF57-46EF-B807-FDD0502418D4}" type="datetimeFigureOut">
               <a:rPr lang="en-US" smtClean="0"/>
-              <a:t>2/27/2024</a:t>
+              <a:t>3/31/2025</a:t>
             </a:fld>
             <a:endParaRPr lang="en-US"/>
           </a:p>
@@ -21611,7 +21630,7 @@
           <a:p>
             <a:fld id="{846CE7D5-CF57-46EF-B807-FDD0502418D4}" type="datetimeFigureOut">
               <a:rPr lang="en-US" smtClean="0"/>
-              <a:t>2/27/2024</a:t>
+              <a:t>3/31/2025</a:t>
             </a:fld>
             <a:endParaRPr lang="en-US"/>
           </a:p>
@@ -21822,7 +21841,7 @@
           <a:p>
             <a:fld id="{846CE7D5-CF57-46EF-B807-FDD0502418D4}" type="datetimeFigureOut">
               <a:rPr lang="en-US" smtClean="0"/>
-              <a:t>2/27/2024</a:t>
+              <a:t>3/31/2025</a:t>
             </a:fld>
             <a:endParaRPr lang="en-US"/>
           </a:p>
@@ -23258,7 +23277,7 @@
           <a:lstStyle/>
           <a:p>
             <a:r>
-              <a:rPr lang="en-US" sz="1600" err="1">
+              <a:rPr lang="en-US" sz="1600" dirty="0">
                 <a:solidFill>
                   <a:schemeClr val="tx1">
                     <a:lumMod val="85000"/>
@@ -23266,75 +23285,7 @@
                   </a:schemeClr>
                 </a:solidFill>
               </a:rPr>
-              <a:t>Shatarupa</a:t>
-            </a:r>
-            <a:r>
-              <a:rPr lang="en-US" sz="1600">
-                <a:solidFill>
-                  <a:schemeClr val="tx1">
-                    <a:lumMod val="85000"/>
-                    <a:lumOff val="15000"/>
-                  </a:schemeClr>
-                </a:solidFill>
-              </a:rPr>
-              <a:t> </a:t>
-            </a:r>
-            <a:r>
-              <a:rPr lang="en-US" sz="1600" err="1">
-                <a:solidFill>
-                  <a:schemeClr val="tx1">
-                    <a:lumMod val="85000"/>
-                    <a:lumOff val="15000"/>
-                  </a:schemeClr>
-                </a:solidFill>
-              </a:rPr>
-              <a:t>Sarma</a:t>
-            </a:r>
-            <a:r>
-              <a:rPr lang="en-US" sz="1600">
-                <a:solidFill>
-                  <a:schemeClr val="tx1">
-                    <a:lumMod val="85000"/>
-                    <a:lumOff val="15000"/>
-                  </a:schemeClr>
-                </a:solidFill>
-              </a:rPr>
-              <a:t> - 002765202</a:t>
-            </a:r>
-          </a:p>
-          <a:p>
-            <a:r>
-              <a:rPr lang="en-US" sz="1600">
-                <a:solidFill>
-                  <a:schemeClr val="tx1">
-                    <a:lumMod val="85000"/>
-                    <a:lumOff val="15000"/>
-                  </a:schemeClr>
-                </a:solidFill>
-              </a:rPr>
-              <a:t>Saniya </a:t>
-            </a:r>
-            <a:r>
-              <a:rPr lang="en-US" sz="1600" err="1">
-                <a:solidFill>
-                  <a:schemeClr val="tx1">
-                    <a:lumMod val="85000"/>
-                    <a:lumOff val="15000"/>
-                  </a:schemeClr>
-                </a:solidFill>
-              </a:rPr>
-              <a:t>Athani</a:t>
-            </a:r>
-            <a:r>
-              <a:rPr lang="en-US" sz="1600">
-                <a:solidFill>
-                  <a:schemeClr val="tx1">
-                    <a:lumMod val="85000"/>
-                    <a:lumOff val="15000"/>
-                  </a:schemeClr>
-                </a:solidFill>
-              </a:rPr>
-              <a:t> - 002682245</a:t>
+              <a:t>Saniya Athani - 002682245</a:t>
             </a:r>
           </a:p>
         </p:txBody>
